--- a/project/no-react/Презентация.pptx
+++ b/project/no-react/Презентация.pptx
@@ -4794,7 +4794,7 @@
         </p:nvSpPr>
         <p:spPr>
           <a:xfrm>
-            <a:off x="1371600" y="4267200"/>
+            <a:off x="1782762" y="4191000"/>
             <a:ext cx="8626475" cy="594522"/>
           </a:xfrm>
           <a:prstGeom prst="rect">
@@ -4868,7 +4868,7 @@
         </p:blipFill>
         <p:spPr>
           <a:xfrm>
-            <a:off x="2057400" y="1002500"/>
+            <a:off x="2762249" y="609600"/>
             <a:ext cx="6667500" cy="3277141"/>
           </a:xfrm>
           <a:prstGeom prst="rect">
@@ -4920,6 +4920,53 @@
           <a:chExt cx="0" cy="0"/>
         </a:xfrm>
       </p:grpSpPr>
+      <p:pic>
+        <p:nvPicPr>
+          <p:cNvPr id="1026" name="Picture 2">
+            <a:extLst>
+              <a:ext uri="{FF2B5EF4-FFF2-40B4-BE49-F238E27FC236}">
+                <a16:creationId xmlns:a16="http://schemas.microsoft.com/office/drawing/2014/main" id="{3D275D0C-4999-4379-9D21-78109530616F}"/>
+              </a:ext>
+            </a:extLst>
+          </p:cNvPr>
+          <p:cNvPicPr>
+            <a:picLocks noChangeAspect="1" noChangeArrowheads="1"/>
+          </p:cNvPicPr>
+          <p:nvPr/>
+        </p:nvPicPr>
+        <p:blipFill>
+          <a:blip r:embed="rId3" cstate="print">
+            <a:extLst>
+              <a:ext uri="{28A0092B-C50C-407E-A947-70E740481C1C}">
+                <a14:useLocalDpi xmlns:a14="http://schemas.microsoft.com/office/drawing/2010/main" val="0"/>
+              </a:ext>
+            </a:extLst>
+          </a:blip>
+          <a:srcRect/>
+          <a:stretch>
+            <a:fillRect/>
+          </a:stretch>
+        </p:blipFill>
+        <p:spPr bwMode="auto">
+          <a:xfrm>
+            <a:off x="533400" y="4114800"/>
+            <a:ext cx="2743200" cy="2743200"/>
+          </a:xfrm>
+          <a:prstGeom prst="rect">
+            <a:avLst/>
+          </a:prstGeom>
+          <a:noFill/>
+          <a:extLst>
+            <a:ext uri="{909E8E84-426E-40DD-AFC4-6F175D3DCCD1}">
+              <a14:hiddenFill xmlns:a14="http://schemas.microsoft.com/office/drawing/2010/main">
+                <a:solidFill>
+                  <a:srgbClr val="FFFFFF"/>
+                </a:solidFill>
+              </a14:hiddenFill>
+            </a:ext>
+          </a:extLst>
+        </p:spPr>
+      </p:pic>
       <p:sp>
         <p:nvSpPr>
           <p:cNvPr id="2" name="object 2"/>
@@ -5027,7 +5074,7 @@
           <p:nvPr/>
         </p:nvPicPr>
         <p:blipFill>
-          <a:blip r:embed="rId3"/>
+          <a:blip r:embed="rId4"/>
           <a:stretch>
             <a:fillRect/>
           </a:stretch>
@@ -5545,7 +5592,7 @@
                 <a:ea typeface="Segoe UI" pitchFamily="34" charset="0"/>
                 <a:cs typeface="Segoe UI" pitchFamily="34" charset="0"/>
               </a:rPr>
-              <a:t>Они будут пользоваться нашим сайтом т.к. он удобен и интуитивно понятен.</a:t>
+              <a:t>Они будут пользоваться нашим сайтом так как он удобен и интуитивно понятен.</a:t>
             </a:r>
           </a:p>
         </p:txBody>
@@ -5800,7 +5847,7 @@
         <p:spPr>
           <a:xfrm>
             <a:off x="762000" y="1447800"/>
-            <a:ext cx="7391400" cy="2896306"/>
+            <a:ext cx="7391400" cy="3432350"/>
           </a:xfrm>
           <a:prstGeom prst="rect">
             <a:avLst/>
@@ -5887,6 +5934,30 @@
                 <a:latin typeface="Roboto"/>
               </a:rPr>
               <a:t>Заработок на тизерах и баннерах</a:t>
+            </a:r>
+            <a:endParaRPr lang="en-US" sz="2400" b="0" i="0" u="none" strike="noStrike" dirty="0">
+              <a:effectLst/>
+              <a:latin typeface="Roboto"/>
+            </a:endParaRPr>
+          </a:p>
+          <a:p>
+            <a:pPr marL="355600" indent="-342900">
+              <a:spcBef>
+                <a:spcPts val="1320"/>
+              </a:spcBef>
+              <a:buFont typeface="Arial" panose="020B0604020202020204" pitchFamily="34" charset="0"/>
+              <a:buChar char="•"/>
+              <a:tabLst>
+                <a:tab pos="355600" algn="l"/>
+                <a:tab pos="356235" algn="l"/>
+              </a:tabLst>
+            </a:pPr>
+            <a:r>
+              <a:rPr lang="ru-RU" sz="2400" b="0" i="0" u="none" strike="noStrike" dirty="0">
+                <a:effectLst/>
+                <a:latin typeface="Roboto"/>
+              </a:rPr>
+              <a:t>Покупка путевок в лагерь.</a:t>
             </a:r>
           </a:p>
           <a:p>
@@ -6147,7 +6218,7 @@
                 <a:ea typeface="Segoe UI" pitchFamily="34" charset="0"/>
                 <a:cs typeface="Segoe UI" pitchFamily="34" charset="0"/>
               </a:rPr>
-              <a:t>Реклама, продвижение в соцсетях и поисковиках (</a:t>
+              <a:t>Реклама, продвижение в соцсетях, поисковиках и видеохостингах (</a:t>
             </a:r>
             <a:r>
               <a:rPr lang="en-US" sz="2400" dirty="0">
@@ -6163,7 +6234,23 @@
                 <a:ea typeface="Segoe UI" pitchFamily="34" charset="0"/>
                 <a:cs typeface="Segoe UI" pitchFamily="34" charset="0"/>
               </a:rPr>
-              <a:t>Яндекс)</a:t>
+              <a:t>Яндекс, </a:t>
+            </a:r>
+            <a:r>
+              <a:rPr lang="en-US" sz="2400" dirty="0">
+                <a:latin typeface="Segoe UI" pitchFamily="34" charset="0"/>
+                <a:ea typeface="Segoe UI" pitchFamily="34" charset="0"/>
+                <a:cs typeface="Segoe UI" pitchFamily="34" charset="0"/>
+              </a:rPr>
+              <a:t>YouTube </a:t>
+            </a:r>
+            <a:r>
+              <a:rPr lang="ru-RU" sz="2400" dirty="0">
+                <a:latin typeface="Segoe UI" pitchFamily="34" charset="0"/>
+                <a:ea typeface="Segoe UI" pitchFamily="34" charset="0"/>
+                <a:cs typeface="Segoe UI" pitchFamily="34" charset="0"/>
+              </a:rPr>
+              <a:t>)</a:t>
             </a:r>
           </a:p>
           <a:p>
